--- a/BSO presentation.pptx
+++ b/BSO presentation.pptx
@@ -16,6 +16,9 @@
     <p:sldId id="261" r:id="rId10"/>
     <p:sldId id="262" r:id="rId11"/>
     <p:sldId id="263" r:id="rId12"/>
+    <p:sldId id="264" r:id="rId13"/>
+    <p:sldId id="265" r:id="rId14"/>
+    <p:sldId id="266" r:id="rId15"/>
   </p:sldIdLst>
   <p:sldSz cy="6858000" cx="9144000"/>
   <p:notesSz cx="6797675" cy="9874250"/>
@@ -1592,6 +1595,292 @@
 </p:notes>
 </file>
 
+<file path=ppt/notesSlides/notesSlide10.xml><?xml version="1.0" encoding="utf-8"?>
+<p:notes xmlns:a="http://schemas.openxmlformats.org/drawingml/2006/main" xmlns:r="http://schemas.openxmlformats.org/officeDocument/2006/relationships" xmlns:mc="http://schemas.openxmlformats.org/markup-compatibility/2006" xmlns:mv="urn:schemas-microsoft-com:mac:vml" xmlns:p="http://schemas.openxmlformats.org/presentationml/2006/main" xmlns:c="http://schemas.openxmlformats.org/drawingml/2006/chart" xmlns:dgm="http://schemas.openxmlformats.org/drawingml/2006/diagram" xmlns:o="urn:schemas-microsoft-com:office:office" xmlns:v="urn:schemas-microsoft-com:vml" xmlns:pvml="urn:schemas-microsoft-com:office:powerpoint" xmlns:com="http://schemas.openxmlformats.org/drawingml/2006/compatibility" xmlns:p14="http://schemas.microsoft.com/office/powerpoint/2010/main" xmlns:p15="http://schemas.microsoft.com/office/powerpoint/2012/main" xmlns:ahyp="http://schemas.microsoft.com/office/drawing/2018/hyperlinkcolor" showMasterPhAnim="0" showMasterSp="0">
+  <p:cSld>
+    <p:spTree>
+      <p:nvGrpSpPr>
+        <p:cNvPr id="169" name="Shape 169"/>
+        <p:cNvGrpSpPr/>
+        <p:nvPr/>
+      </p:nvGrpSpPr>
+      <p:grpSpPr>
+        <a:xfrm>
+          <a:off x="0" y="0"/>
+          <a:ext cx="0" cy="0"/>
+          <a:chOff x="0" y="0"/>
+          <a:chExt cx="0" cy="0"/>
+        </a:xfrm>
+      </p:grpSpPr>
+      <p:sp>
+        <p:nvSpPr>
+          <p:cNvPr id="170" name="Google Shape;170;gb529eb6ce6_2_85:notes"/>
+          <p:cNvSpPr/>
+          <p:nvPr>
+            <p:ph idx="2" type="sldImg"/>
+          </p:nvPr>
+        </p:nvSpPr>
+        <p:spPr>
+          <a:xfrm>
+            <a:off x="931863" y="741363"/>
+            <a:ext cx="4933800" cy="3702000"/>
+          </a:xfrm>
+          <a:custGeom>
+            <a:rect b="b" l="l" r="r" t="t"/>
+            <a:pathLst>
+              <a:path extrusionOk="0" h="120000" w="120000">
+                <a:moveTo>
+                  <a:pt x="0" y="0"/>
+                </a:moveTo>
+                <a:lnTo>
+                  <a:pt x="120000" y="0"/>
+                </a:lnTo>
+                <a:lnTo>
+                  <a:pt x="120000" y="120000"/>
+                </a:lnTo>
+                <a:lnTo>
+                  <a:pt x="0" y="120000"/>
+                </a:lnTo>
+                <a:close/>
+              </a:path>
+            </a:pathLst>
+          </a:custGeom>
+        </p:spPr>
+      </p:sp>
+      <p:sp>
+        <p:nvSpPr>
+          <p:cNvPr id="171" name="Google Shape;171;gb529eb6ce6_2_85:notes"/>
+          <p:cNvSpPr txBox="1"/>
+          <p:nvPr>
+            <p:ph idx="1" type="body"/>
+          </p:nvPr>
+        </p:nvSpPr>
+        <p:spPr>
+          <a:xfrm>
+            <a:off x="679768" y="4690269"/>
+            <a:ext cx="5438100" cy="4443300"/>
+          </a:xfrm>
+          <a:prstGeom prst="rect">
+            <a:avLst/>
+          </a:prstGeom>
+        </p:spPr>
+        <p:txBody>
+          <a:bodyPr anchorCtr="0" anchor="t" bIns="91425" lIns="91425" spcFirstLastPara="1" rIns="91425" wrap="square" tIns="91425">
+            <a:noAutofit/>
+          </a:bodyPr>
+          <a:lstStyle/>
+          <a:p>
+            <a:pPr indent="0" lvl="0" marL="0" rtl="0" algn="l">
+              <a:spcBef>
+                <a:spcPts val="360"/>
+              </a:spcBef>
+              <a:spcAft>
+                <a:spcPts val="0"/>
+              </a:spcAft>
+              <a:buNone/>
+            </a:pPr>
+            <a:r>
+              <a:t/>
+            </a:r>
+            <a:endParaRPr/>
+          </a:p>
+        </p:txBody>
+      </p:sp>
+      <p:sp>
+        <p:nvSpPr>
+          <p:cNvPr id="172" name="Google Shape;172;gb529eb6ce6_2_85:notes"/>
+          <p:cNvSpPr txBox="1"/>
+          <p:nvPr>
+            <p:ph idx="12" type="sldNum"/>
+          </p:nvPr>
+        </p:nvSpPr>
+        <p:spPr>
+          <a:xfrm>
+            <a:off x="3850443" y="9378824"/>
+            <a:ext cx="2945700" cy="493800"/>
+          </a:xfrm>
+          <a:prstGeom prst="rect">
+            <a:avLst/>
+          </a:prstGeom>
+        </p:spPr>
+        <p:txBody>
+          <a:bodyPr anchorCtr="0" anchor="b" bIns="45700" lIns="91425" spcFirstLastPara="1" rIns="91425" wrap="square" tIns="45700">
+            <a:noAutofit/>
+          </a:bodyPr>
+          <a:lstStyle/>
+          <a:p>
+            <a:pPr indent="0" lvl="0" marL="0" rtl="0" algn="r">
+              <a:spcBef>
+                <a:spcPts val="0"/>
+              </a:spcBef>
+              <a:spcAft>
+                <a:spcPts val="0"/>
+              </a:spcAft>
+              <a:buClr>
+                <a:srgbClr val="000000"/>
+              </a:buClr>
+              <a:buFont typeface="Arial"/>
+              <a:buNone/>
+            </a:pPr>
+            <a:fld id="{00000000-1234-1234-1234-123412341234}" type="slidenum">
+              <a:rPr lang="sl-SI"/>
+              <a:t>‹#›</a:t>
+            </a:fld>
+            <a:endParaRPr/>
+          </a:p>
+        </p:txBody>
+      </p:sp>
+    </p:spTree>
+  </p:cSld>
+  <p:clrMapOvr>
+    <a:masterClrMapping/>
+  </p:clrMapOvr>
+</p:notes>
+</file>
+
+<file path=ppt/notesSlides/notesSlide11.xml><?xml version="1.0" encoding="utf-8"?>
+<p:notes xmlns:a="http://schemas.openxmlformats.org/drawingml/2006/main" xmlns:r="http://schemas.openxmlformats.org/officeDocument/2006/relationships" xmlns:mc="http://schemas.openxmlformats.org/markup-compatibility/2006" xmlns:mv="urn:schemas-microsoft-com:mac:vml" xmlns:p="http://schemas.openxmlformats.org/presentationml/2006/main" xmlns:c="http://schemas.openxmlformats.org/drawingml/2006/chart" xmlns:dgm="http://schemas.openxmlformats.org/drawingml/2006/diagram" xmlns:o="urn:schemas-microsoft-com:office:office" xmlns:v="urn:schemas-microsoft-com:vml" xmlns:pvml="urn:schemas-microsoft-com:office:powerpoint" xmlns:com="http://schemas.openxmlformats.org/drawingml/2006/compatibility" xmlns:p14="http://schemas.microsoft.com/office/powerpoint/2010/main" xmlns:p15="http://schemas.microsoft.com/office/powerpoint/2012/main" xmlns:ahyp="http://schemas.microsoft.com/office/drawing/2018/hyperlinkcolor" showMasterPhAnim="0" showMasterSp="0">
+  <p:cSld>
+    <p:spTree>
+      <p:nvGrpSpPr>
+        <p:cNvPr id="177" name="Shape 177"/>
+        <p:cNvGrpSpPr/>
+        <p:nvPr/>
+      </p:nvGrpSpPr>
+      <p:grpSpPr>
+        <a:xfrm>
+          <a:off x="0" y="0"/>
+          <a:ext cx="0" cy="0"/>
+          <a:chOff x="0" y="0"/>
+          <a:chExt cx="0" cy="0"/>
+        </a:xfrm>
+      </p:grpSpPr>
+      <p:sp>
+        <p:nvSpPr>
+          <p:cNvPr id="178" name="Google Shape;178;gd9c7ab438b_0_19:notes"/>
+          <p:cNvSpPr/>
+          <p:nvPr>
+            <p:ph idx="2" type="sldImg"/>
+          </p:nvPr>
+        </p:nvSpPr>
+        <p:spPr>
+          <a:xfrm>
+            <a:off x="931863" y="741363"/>
+            <a:ext cx="4933800" cy="3702000"/>
+          </a:xfrm>
+          <a:custGeom>
+            <a:rect b="b" l="l" r="r" t="t"/>
+            <a:pathLst>
+              <a:path extrusionOk="0" h="120000" w="120000">
+                <a:moveTo>
+                  <a:pt x="0" y="0"/>
+                </a:moveTo>
+                <a:lnTo>
+                  <a:pt x="120000" y="0"/>
+                </a:lnTo>
+                <a:lnTo>
+                  <a:pt x="120000" y="120000"/>
+                </a:lnTo>
+                <a:lnTo>
+                  <a:pt x="0" y="120000"/>
+                </a:lnTo>
+                <a:close/>
+              </a:path>
+            </a:pathLst>
+          </a:custGeom>
+        </p:spPr>
+      </p:sp>
+      <p:sp>
+        <p:nvSpPr>
+          <p:cNvPr id="179" name="Google Shape;179;gd9c7ab438b_0_19:notes"/>
+          <p:cNvSpPr txBox="1"/>
+          <p:nvPr>
+            <p:ph idx="1" type="body"/>
+          </p:nvPr>
+        </p:nvSpPr>
+        <p:spPr>
+          <a:xfrm>
+            <a:off x="679768" y="4690269"/>
+            <a:ext cx="5438100" cy="4443300"/>
+          </a:xfrm>
+          <a:prstGeom prst="rect">
+            <a:avLst/>
+          </a:prstGeom>
+        </p:spPr>
+        <p:txBody>
+          <a:bodyPr anchorCtr="0" anchor="t" bIns="91425" lIns="91425" spcFirstLastPara="1" rIns="91425" wrap="square" tIns="91425">
+            <a:noAutofit/>
+          </a:bodyPr>
+          <a:lstStyle/>
+          <a:p>
+            <a:pPr indent="0" lvl="0" marL="0" rtl="0" algn="l">
+              <a:spcBef>
+                <a:spcPts val="360"/>
+              </a:spcBef>
+              <a:spcAft>
+                <a:spcPts val="0"/>
+              </a:spcAft>
+              <a:buNone/>
+            </a:pPr>
+            <a:r>
+              <a:t/>
+            </a:r>
+            <a:endParaRPr/>
+          </a:p>
+        </p:txBody>
+      </p:sp>
+      <p:sp>
+        <p:nvSpPr>
+          <p:cNvPr id="180" name="Google Shape;180;gd9c7ab438b_0_19:notes"/>
+          <p:cNvSpPr txBox="1"/>
+          <p:nvPr>
+            <p:ph idx="12" type="sldNum"/>
+          </p:nvPr>
+        </p:nvSpPr>
+        <p:spPr>
+          <a:xfrm>
+            <a:off x="3850443" y="9378824"/>
+            <a:ext cx="2945700" cy="493800"/>
+          </a:xfrm>
+          <a:prstGeom prst="rect">
+            <a:avLst/>
+          </a:prstGeom>
+        </p:spPr>
+        <p:txBody>
+          <a:bodyPr anchorCtr="0" anchor="b" bIns="45700" lIns="91425" spcFirstLastPara="1" rIns="91425" wrap="square" tIns="45700">
+            <a:noAutofit/>
+          </a:bodyPr>
+          <a:lstStyle/>
+          <a:p>
+            <a:pPr indent="0" lvl="0" marL="0" rtl="0" algn="r">
+              <a:spcBef>
+                <a:spcPts val="0"/>
+              </a:spcBef>
+              <a:spcAft>
+                <a:spcPts val="0"/>
+              </a:spcAft>
+              <a:buClr>
+                <a:srgbClr val="000000"/>
+              </a:buClr>
+              <a:buFont typeface="Arial"/>
+              <a:buNone/>
+            </a:pPr>
+            <a:fld id="{00000000-1234-1234-1234-123412341234}" type="slidenum">
+              <a:rPr lang="sl-SI"/>
+              <a:t>‹#›</a:t>
+            </a:fld>
+            <a:endParaRPr/>
+          </a:p>
+        </p:txBody>
+      </p:sp>
+    </p:spTree>
+  </p:cSld>
+  <p:clrMapOvr>
+    <a:masterClrMapping/>
+  </p:clrMapOvr>
+</p:notes>
+</file>
+
 <file path=ppt/notesSlides/notesSlide2.xml><?xml version="1.0" encoding="utf-8"?>
 <p:notes xmlns:a="http://schemas.openxmlformats.org/drawingml/2006/main" xmlns:r="http://schemas.openxmlformats.org/officeDocument/2006/relationships" xmlns:mc="http://schemas.openxmlformats.org/markup-compatibility/2006" xmlns:mv="urn:schemas-microsoft-com:mac:vml" xmlns:p="http://schemas.openxmlformats.org/presentationml/2006/main" xmlns:c="http://schemas.openxmlformats.org/drawingml/2006/chart" xmlns:dgm="http://schemas.openxmlformats.org/drawingml/2006/diagram" xmlns:o="urn:schemas-microsoft-com:office:office" xmlns:v="urn:schemas-microsoft-com:vml" xmlns:pvml="urn:schemas-microsoft-com:office:powerpoint" xmlns:com="http://schemas.openxmlformats.org/drawingml/2006/compatibility" xmlns:p14="http://schemas.microsoft.com/office/powerpoint/2010/main" xmlns:p15="http://schemas.microsoft.com/office/powerpoint/2012/main" xmlns:ahyp="http://schemas.microsoft.com/office/drawing/2018/hyperlinkcolor" showMasterPhAnim="0" showMasterSp="0">
   <p:cSld>
@@ -1883,7 +2172,7 @@
   <p:cSld>
     <p:spTree>
       <p:nvGrpSpPr>
-        <p:cNvPr id="116" name="Shape 116"/>
+        <p:cNvPr id="115" name="Shape 115"/>
         <p:cNvGrpSpPr/>
         <p:nvPr/>
       </p:nvGrpSpPr>
@@ -1897,7 +2186,7 @@
       </p:grpSpPr>
       <p:sp>
         <p:nvSpPr>
-          <p:cNvPr id="117" name="Google Shape;117;gd9c7ab438b_0_10:notes"/>
+          <p:cNvPr id="116" name="Google Shape;116;gdc515c86cb_1_1:notes"/>
           <p:cNvSpPr/>
           <p:nvPr>
             <p:ph idx="2" type="sldImg"/>
@@ -1932,7 +2221,7 @@
       </p:sp>
       <p:sp>
         <p:nvSpPr>
-          <p:cNvPr id="118" name="Google Shape;118;gd9c7ab438b_0_10:notes"/>
+          <p:cNvPr id="117" name="Google Shape;117;gdc515c86cb_1_1:notes"/>
           <p:cNvSpPr txBox="1"/>
           <p:nvPr>
             <p:ph idx="1" type="body"/>
@@ -1971,7 +2260,7 @@
       </p:sp>
       <p:sp>
         <p:nvSpPr>
-          <p:cNvPr id="119" name="Google Shape;119;gd9c7ab438b_0_10:notes"/>
+          <p:cNvPr id="118" name="Google Shape;118;gdc515c86cb_1_1:notes"/>
           <p:cNvSpPr txBox="1"/>
           <p:nvPr>
             <p:ph idx="12" type="sldNum"/>
@@ -2040,7 +2329,7 @@
       </p:grpSpPr>
       <p:sp>
         <p:nvSpPr>
-          <p:cNvPr id="125" name="Google Shape;125;gb529eb6ce6_2_14:notes"/>
+          <p:cNvPr id="125" name="Google Shape;125;gdc515c86cb_1_10:notes"/>
           <p:cNvSpPr/>
           <p:nvPr>
             <p:ph idx="2" type="sldImg"/>
@@ -2075,7 +2364,7 @@
       </p:sp>
       <p:sp>
         <p:nvSpPr>
-          <p:cNvPr id="126" name="Google Shape;126;gb529eb6ce6_2_14:notes"/>
+          <p:cNvPr id="126" name="Google Shape;126;gdc515c86cb_1_10:notes"/>
           <p:cNvSpPr txBox="1"/>
           <p:nvPr>
             <p:ph idx="1" type="body"/>
@@ -2114,7 +2403,7 @@
       </p:sp>
       <p:sp>
         <p:nvSpPr>
-          <p:cNvPr id="127" name="Google Shape;127;gb529eb6ce6_2_14:notes"/>
+          <p:cNvPr id="127" name="Google Shape;127;gdc515c86cb_1_10:notes"/>
           <p:cNvSpPr txBox="1"/>
           <p:nvPr>
             <p:ph idx="12" type="sldNum"/>
@@ -2183,7 +2472,7 @@
       </p:grpSpPr>
       <p:sp>
         <p:nvSpPr>
-          <p:cNvPr id="134" name="Google Shape;134;gd9c7ab438b_0_3:notes"/>
+          <p:cNvPr id="134" name="Google Shape;134;gdc515c86cb_1_19:notes"/>
           <p:cNvSpPr/>
           <p:nvPr>
             <p:ph idx="2" type="sldImg"/>
@@ -2218,7 +2507,7 @@
       </p:sp>
       <p:sp>
         <p:nvSpPr>
-          <p:cNvPr id="135" name="Google Shape;135;gd9c7ab438b_0_3:notes"/>
+          <p:cNvPr id="135" name="Google Shape;135;gdc515c86cb_1_19:notes"/>
           <p:cNvSpPr txBox="1"/>
           <p:nvPr>
             <p:ph idx="1" type="body"/>
@@ -2257,7 +2546,7 @@
       </p:sp>
       <p:sp>
         <p:nvSpPr>
-          <p:cNvPr id="136" name="Google Shape;136;gd9c7ab438b_0_3:notes"/>
+          <p:cNvPr id="136" name="Google Shape;136;gdc515c86cb_1_19:notes"/>
           <p:cNvSpPr txBox="1"/>
           <p:nvPr>
             <p:ph idx="12" type="sldNum"/>
@@ -2326,7 +2615,7 @@
       </p:grpSpPr>
       <p:sp>
         <p:nvSpPr>
-          <p:cNvPr id="142" name="Google Shape;142;gb529eb6ce6_2_85:notes"/>
+          <p:cNvPr id="142" name="Google Shape;142;gd9c7ab438b_0_10:notes"/>
           <p:cNvSpPr/>
           <p:nvPr>
             <p:ph idx="2" type="sldImg"/>
@@ -2361,7 +2650,7 @@
       </p:sp>
       <p:sp>
         <p:nvSpPr>
-          <p:cNvPr id="143" name="Google Shape;143;gb529eb6ce6_2_85:notes"/>
+          <p:cNvPr id="143" name="Google Shape;143;gd9c7ab438b_0_10:notes"/>
           <p:cNvSpPr txBox="1"/>
           <p:nvPr>
             <p:ph idx="1" type="body"/>
@@ -2400,7 +2689,7 @@
       </p:sp>
       <p:sp>
         <p:nvSpPr>
-          <p:cNvPr id="144" name="Google Shape;144;gb529eb6ce6_2_85:notes"/>
+          <p:cNvPr id="144" name="Google Shape;144;gd9c7ab438b_0_10:notes"/>
           <p:cNvSpPr txBox="1"/>
           <p:nvPr>
             <p:ph idx="12" type="sldNum"/>
@@ -2469,7 +2758,7 @@
       </p:grpSpPr>
       <p:sp>
         <p:nvSpPr>
-          <p:cNvPr id="150" name="Google Shape;150;gd9c7ab438b_0_19:notes"/>
+          <p:cNvPr id="150" name="Google Shape;150;gd94021b813_0_0:notes"/>
           <p:cNvSpPr/>
           <p:nvPr>
             <p:ph idx="2" type="sldImg"/>
@@ -2504,7 +2793,7 @@
       </p:sp>
       <p:sp>
         <p:nvSpPr>
-          <p:cNvPr id="151" name="Google Shape;151;gd9c7ab438b_0_19:notes"/>
+          <p:cNvPr id="151" name="Google Shape;151;gd94021b813_0_0:notes"/>
           <p:cNvSpPr txBox="1"/>
           <p:nvPr>
             <p:ph idx="1" type="body"/>
@@ -2543,7 +2832,150 @@
       </p:sp>
       <p:sp>
         <p:nvSpPr>
-          <p:cNvPr id="152" name="Google Shape;152;gd9c7ab438b_0_19:notes"/>
+          <p:cNvPr id="152" name="Google Shape;152;gd94021b813_0_0:notes"/>
+          <p:cNvSpPr txBox="1"/>
+          <p:nvPr>
+            <p:ph idx="12" type="sldNum"/>
+          </p:nvPr>
+        </p:nvSpPr>
+        <p:spPr>
+          <a:xfrm>
+            <a:off x="3850443" y="9378824"/>
+            <a:ext cx="2945700" cy="493800"/>
+          </a:xfrm>
+          <a:prstGeom prst="rect">
+            <a:avLst/>
+          </a:prstGeom>
+        </p:spPr>
+        <p:txBody>
+          <a:bodyPr anchorCtr="0" anchor="b" bIns="45700" lIns="91425" spcFirstLastPara="1" rIns="91425" wrap="square" tIns="45700">
+            <a:noAutofit/>
+          </a:bodyPr>
+          <a:lstStyle/>
+          <a:p>
+            <a:pPr indent="0" lvl="0" marL="0" rtl="0" algn="r">
+              <a:spcBef>
+                <a:spcPts val="0"/>
+              </a:spcBef>
+              <a:spcAft>
+                <a:spcPts val="0"/>
+              </a:spcAft>
+              <a:buClr>
+                <a:srgbClr val="000000"/>
+              </a:buClr>
+              <a:buFont typeface="Arial"/>
+              <a:buNone/>
+            </a:pPr>
+            <a:fld id="{00000000-1234-1234-1234-123412341234}" type="slidenum">
+              <a:rPr lang="sl-SI"/>
+              <a:t>‹#›</a:t>
+            </a:fld>
+            <a:endParaRPr/>
+          </a:p>
+        </p:txBody>
+      </p:sp>
+    </p:spTree>
+  </p:cSld>
+  <p:clrMapOvr>
+    <a:masterClrMapping/>
+  </p:clrMapOvr>
+</p:notes>
+</file>
+
+<file path=ppt/notesSlides/notesSlide9.xml><?xml version="1.0" encoding="utf-8"?>
+<p:notes xmlns:a="http://schemas.openxmlformats.org/drawingml/2006/main" xmlns:r="http://schemas.openxmlformats.org/officeDocument/2006/relationships" xmlns:mc="http://schemas.openxmlformats.org/markup-compatibility/2006" xmlns:mv="urn:schemas-microsoft-com:mac:vml" xmlns:p="http://schemas.openxmlformats.org/presentationml/2006/main" xmlns:c="http://schemas.openxmlformats.org/drawingml/2006/chart" xmlns:dgm="http://schemas.openxmlformats.org/drawingml/2006/diagram" xmlns:o="urn:schemas-microsoft-com:office:office" xmlns:v="urn:schemas-microsoft-com:vml" xmlns:pvml="urn:schemas-microsoft-com:office:powerpoint" xmlns:com="http://schemas.openxmlformats.org/drawingml/2006/compatibility" xmlns:p14="http://schemas.microsoft.com/office/powerpoint/2010/main" xmlns:p15="http://schemas.microsoft.com/office/powerpoint/2012/main" xmlns:ahyp="http://schemas.microsoft.com/office/drawing/2018/hyperlinkcolor" showMasterPhAnim="0" showMasterSp="0">
+  <p:cSld>
+    <p:spTree>
+      <p:nvGrpSpPr>
+        <p:cNvPr id="159" name="Shape 159"/>
+        <p:cNvGrpSpPr/>
+        <p:nvPr/>
+      </p:nvGrpSpPr>
+      <p:grpSpPr>
+        <a:xfrm>
+          <a:off x="0" y="0"/>
+          <a:ext cx="0" cy="0"/>
+          <a:chOff x="0" y="0"/>
+          <a:chExt cx="0" cy="0"/>
+        </a:xfrm>
+      </p:grpSpPr>
+      <p:sp>
+        <p:nvSpPr>
+          <p:cNvPr id="160" name="Google Shape;160;gb6a26dda65_0_2:notes"/>
+          <p:cNvSpPr/>
+          <p:nvPr>
+            <p:ph idx="2" type="sldImg"/>
+          </p:nvPr>
+        </p:nvSpPr>
+        <p:spPr>
+          <a:xfrm>
+            <a:off x="931863" y="741363"/>
+            <a:ext cx="4933800" cy="3702000"/>
+          </a:xfrm>
+          <a:custGeom>
+            <a:rect b="b" l="l" r="r" t="t"/>
+            <a:pathLst>
+              <a:path extrusionOk="0" h="120000" w="120000">
+                <a:moveTo>
+                  <a:pt x="0" y="0"/>
+                </a:moveTo>
+                <a:lnTo>
+                  <a:pt x="120000" y="0"/>
+                </a:lnTo>
+                <a:lnTo>
+                  <a:pt x="120000" y="120000"/>
+                </a:lnTo>
+                <a:lnTo>
+                  <a:pt x="0" y="120000"/>
+                </a:lnTo>
+                <a:close/>
+              </a:path>
+            </a:pathLst>
+          </a:custGeom>
+        </p:spPr>
+      </p:sp>
+      <p:sp>
+        <p:nvSpPr>
+          <p:cNvPr id="161" name="Google Shape;161;gb6a26dda65_0_2:notes"/>
+          <p:cNvSpPr txBox="1"/>
+          <p:nvPr>
+            <p:ph idx="1" type="body"/>
+          </p:nvPr>
+        </p:nvSpPr>
+        <p:spPr>
+          <a:xfrm>
+            <a:off x="679768" y="4690269"/>
+            <a:ext cx="5438100" cy="4443300"/>
+          </a:xfrm>
+          <a:prstGeom prst="rect">
+            <a:avLst/>
+          </a:prstGeom>
+        </p:spPr>
+        <p:txBody>
+          <a:bodyPr anchorCtr="0" anchor="t" bIns="91425" lIns="91425" spcFirstLastPara="1" rIns="91425" wrap="square" tIns="91425">
+            <a:noAutofit/>
+          </a:bodyPr>
+          <a:lstStyle/>
+          <a:p>
+            <a:pPr indent="0" lvl="0" marL="0" rtl="0" algn="l">
+              <a:spcBef>
+                <a:spcPts val="360"/>
+              </a:spcBef>
+              <a:spcAft>
+                <a:spcPts val="0"/>
+              </a:spcAft>
+              <a:buNone/>
+            </a:pPr>
+            <a:r>
+              <a:t/>
+            </a:r>
+            <a:endParaRPr/>
+          </a:p>
+        </p:txBody>
+      </p:sp>
+      <p:sp>
+        <p:nvSpPr>
+          <p:cNvPr id="162" name="Google Shape;162;gb6a26dda65_0_2:notes"/>
           <p:cNvSpPr txBox="1"/>
           <p:nvPr>
             <p:ph idx="12" type="sldNum"/>
@@ -18322,6 +18754,419 @@
 </p:sld>
 </file>
 
+<file path=ppt/slides/slide10.xml><?xml version="1.0" encoding="utf-8"?>
+<p:sld xmlns:a="http://schemas.openxmlformats.org/drawingml/2006/main" xmlns:r="http://schemas.openxmlformats.org/officeDocument/2006/relationships" xmlns:mc="http://schemas.openxmlformats.org/markup-compatibility/2006" xmlns:mv="urn:schemas-microsoft-com:mac:vml" xmlns:p="http://schemas.openxmlformats.org/presentationml/2006/main" xmlns:c="http://schemas.openxmlformats.org/drawingml/2006/chart" xmlns:dgm="http://schemas.openxmlformats.org/drawingml/2006/diagram" xmlns:o="urn:schemas-microsoft-com:office:office" xmlns:v="urn:schemas-microsoft-com:vml" xmlns:pvml="urn:schemas-microsoft-com:office:powerpoint" xmlns:com="http://schemas.openxmlformats.org/drawingml/2006/compatibility" xmlns:p14="http://schemas.microsoft.com/office/powerpoint/2010/main" xmlns:p15="http://schemas.microsoft.com/office/powerpoint/2012/main" xmlns:ahyp="http://schemas.microsoft.com/office/drawing/2018/hyperlinkcolor">
+  <p:cSld>
+    <p:spTree>
+      <p:nvGrpSpPr>
+        <p:cNvPr id="173" name="Shape 173"/>
+        <p:cNvGrpSpPr/>
+        <p:nvPr/>
+      </p:nvGrpSpPr>
+      <p:grpSpPr>
+        <a:xfrm>
+          <a:off x="0" y="0"/>
+          <a:ext cx="0" cy="0"/>
+          <a:chOff x="0" y="0"/>
+          <a:chExt cx="0" cy="0"/>
+        </a:xfrm>
+      </p:grpSpPr>
+      <p:sp>
+        <p:nvSpPr>
+          <p:cNvPr id="174" name="Google Shape;174;p23"/>
+          <p:cNvSpPr txBox="1"/>
+          <p:nvPr>
+            <p:ph type="title"/>
+          </p:nvPr>
+        </p:nvSpPr>
+        <p:spPr>
+          <a:xfrm>
+            <a:off x="608725" y="939800"/>
+            <a:ext cx="7955700" cy="800100"/>
+          </a:xfrm>
+          <a:prstGeom prst="rect">
+            <a:avLst/>
+          </a:prstGeom>
+        </p:spPr>
+        <p:txBody>
+          <a:bodyPr anchorCtr="0" anchor="ctr" bIns="91425" lIns="91425" spcFirstLastPara="1" rIns="91425" wrap="square" tIns="91425">
+            <a:noAutofit/>
+          </a:bodyPr>
+          <a:lstStyle/>
+          <a:p>
+            <a:pPr indent="0" lvl="0" marL="0" rtl="0" algn="l">
+              <a:spcBef>
+                <a:spcPts val="0"/>
+              </a:spcBef>
+              <a:spcAft>
+                <a:spcPts val="0"/>
+              </a:spcAft>
+              <a:buNone/>
+            </a:pPr>
+            <a:r>
+              <a:rPr lang="sl-SI"/>
+              <a:t>Conclusions</a:t>
+            </a:r>
+            <a:endParaRPr/>
+          </a:p>
+        </p:txBody>
+      </p:sp>
+      <p:sp>
+        <p:nvSpPr>
+          <p:cNvPr id="175" name="Google Shape;175;p23"/>
+          <p:cNvSpPr txBox="1"/>
+          <p:nvPr>
+            <p:ph idx="1" type="body"/>
+          </p:nvPr>
+        </p:nvSpPr>
+        <p:spPr>
+          <a:xfrm>
+            <a:off x="608725" y="1897063"/>
+            <a:ext cx="7955700" cy="4292700"/>
+          </a:xfrm>
+          <a:prstGeom prst="rect">
+            <a:avLst/>
+          </a:prstGeom>
+        </p:spPr>
+        <p:txBody>
+          <a:bodyPr anchorCtr="0" anchor="t" bIns="91425" lIns="91425" spcFirstLastPara="1" rIns="91425" wrap="square" tIns="91425">
+            <a:noAutofit/>
+          </a:bodyPr>
+          <a:lstStyle/>
+          <a:p>
+            <a:pPr indent="-368300" lvl="0" marL="457200" rtl="0" algn="l">
+              <a:spcBef>
+                <a:spcPts val="440"/>
+              </a:spcBef>
+              <a:spcAft>
+                <a:spcPts val="0"/>
+              </a:spcAft>
+              <a:buSzPts val="2200"/>
+              <a:buChar char="•"/>
+            </a:pPr>
+            <a:r>
+              <a:rPr lang="sl-SI"/>
+              <a:t>Problems with Eclipse...,</a:t>
+            </a:r>
+            <a:br>
+              <a:rPr lang="sl-SI"/>
+            </a:br>
+            <a:endParaRPr/>
+          </a:p>
+          <a:p>
+            <a:pPr indent="-368300" lvl="0" marL="457200" rtl="0" algn="l">
+              <a:spcBef>
+                <a:spcPts val="0"/>
+              </a:spcBef>
+              <a:spcAft>
+                <a:spcPts val="0"/>
+              </a:spcAft>
+              <a:buSzPts val="2200"/>
+              <a:buChar char="•"/>
+            </a:pPr>
+            <a:r>
+              <a:rPr lang="sl-SI"/>
+              <a:t>BME680 makes a good air quality indicator for home use,</a:t>
+            </a:r>
+            <a:br>
+              <a:rPr lang="sl-SI"/>
+            </a:br>
+            <a:endParaRPr/>
+          </a:p>
+          <a:p>
+            <a:pPr indent="-368300" lvl="0" marL="457200" rtl="0" algn="l">
+              <a:spcBef>
+                <a:spcPts val="0"/>
+              </a:spcBef>
+              <a:spcAft>
+                <a:spcPts val="0"/>
+              </a:spcAft>
+              <a:buSzPts val="2200"/>
+              <a:buChar char="•"/>
+            </a:pPr>
+            <a:r>
+              <a:rPr lang="sl-SI"/>
+              <a:t>We should make more effort to regularly check the AQI indoors.</a:t>
+            </a:r>
+            <a:endParaRPr/>
+          </a:p>
+          <a:p>
+            <a:pPr indent="0" lvl="0" marL="0" rtl="0" algn="l">
+              <a:spcBef>
+                <a:spcPts val="440"/>
+              </a:spcBef>
+              <a:spcAft>
+                <a:spcPts val="0"/>
+              </a:spcAft>
+              <a:buNone/>
+            </a:pPr>
+            <a:r>
+              <a:t/>
+            </a:r>
+            <a:endParaRPr/>
+          </a:p>
+        </p:txBody>
+      </p:sp>
+      <p:sp>
+        <p:nvSpPr>
+          <p:cNvPr id="176" name="Google Shape;176;p23"/>
+          <p:cNvSpPr txBox="1"/>
+          <p:nvPr>
+            <p:ph idx="12" type="sldNum"/>
+          </p:nvPr>
+        </p:nvSpPr>
+        <p:spPr>
+          <a:xfrm>
+            <a:off x="8564563" y="6308725"/>
+            <a:ext cx="504900" cy="401700"/>
+          </a:xfrm>
+          <a:prstGeom prst="rect">
+            <a:avLst/>
+          </a:prstGeom>
+        </p:spPr>
+        <p:txBody>
+          <a:bodyPr anchorCtr="0" anchor="ctr" bIns="45700" lIns="91425" spcFirstLastPara="1" rIns="91425" wrap="square" tIns="45700">
+            <a:noAutofit/>
+          </a:bodyPr>
+          <a:lstStyle/>
+          <a:p>
+            <a:pPr indent="0" lvl="0" marL="0" rtl="0" algn="ctr">
+              <a:spcBef>
+                <a:spcPts val="0"/>
+              </a:spcBef>
+              <a:spcAft>
+                <a:spcPts val="0"/>
+              </a:spcAft>
+              <a:buClr>
+                <a:srgbClr val="000000"/>
+              </a:buClr>
+              <a:buFont typeface="Arial"/>
+              <a:buNone/>
+            </a:pPr>
+            <a:fld id="{00000000-1234-1234-1234-123412341234}" type="slidenum">
+              <a:rPr lang="sl-SI"/>
+              <a:t>‹#›</a:t>
+            </a:fld>
+            <a:endParaRPr/>
+          </a:p>
+        </p:txBody>
+      </p:sp>
+    </p:spTree>
+  </p:cSld>
+  <p:clrMapOvr>
+    <a:masterClrMapping/>
+  </p:clrMapOvr>
+</p:sld>
+</file>
+
+<file path=ppt/slides/slide11.xml><?xml version="1.0" encoding="utf-8"?>
+<p:sld xmlns:a="http://schemas.openxmlformats.org/drawingml/2006/main" xmlns:r="http://schemas.openxmlformats.org/officeDocument/2006/relationships" xmlns:mc="http://schemas.openxmlformats.org/markup-compatibility/2006" xmlns:mv="urn:schemas-microsoft-com:mac:vml" xmlns:p="http://schemas.openxmlformats.org/presentationml/2006/main" xmlns:c="http://schemas.openxmlformats.org/drawingml/2006/chart" xmlns:dgm="http://schemas.openxmlformats.org/drawingml/2006/diagram" xmlns:o="urn:schemas-microsoft-com:office:office" xmlns:v="urn:schemas-microsoft-com:vml" xmlns:pvml="urn:schemas-microsoft-com:office:powerpoint" xmlns:com="http://schemas.openxmlformats.org/drawingml/2006/compatibility" xmlns:p14="http://schemas.microsoft.com/office/powerpoint/2010/main" xmlns:p15="http://schemas.microsoft.com/office/powerpoint/2012/main" xmlns:ahyp="http://schemas.microsoft.com/office/drawing/2018/hyperlinkcolor">
+  <p:cSld>
+    <p:spTree>
+      <p:nvGrpSpPr>
+        <p:cNvPr id="181" name="Shape 181"/>
+        <p:cNvGrpSpPr/>
+        <p:nvPr/>
+      </p:nvGrpSpPr>
+      <p:grpSpPr>
+        <a:xfrm>
+          <a:off x="0" y="0"/>
+          <a:ext cx="0" cy="0"/>
+          <a:chOff x="0" y="0"/>
+          <a:chExt cx="0" cy="0"/>
+        </a:xfrm>
+      </p:grpSpPr>
+      <p:sp>
+        <p:nvSpPr>
+          <p:cNvPr id="182" name="Google Shape;182;p24"/>
+          <p:cNvSpPr txBox="1"/>
+          <p:nvPr>
+            <p:ph type="title"/>
+          </p:nvPr>
+        </p:nvSpPr>
+        <p:spPr>
+          <a:xfrm>
+            <a:off x="608725" y="939800"/>
+            <a:ext cx="7955700" cy="800100"/>
+          </a:xfrm>
+          <a:prstGeom prst="rect">
+            <a:avLst/>
+          </a:prstGeom>
+        </p:spPr>
+        <p:txBody>
+          <a:bodyPr anchorCtr="0" anchor="ctr" bIns="91425" lIns="91425" spcFirstLastPara="1" rIns="91425" wrap="square" tIns="91425">
+            <a:noAutofit/>
+          </a:bodyPr>
+          <a:lstStyle/>
+          <a:p>
+            <a:pPr indent="0" lvl="0" marL="0" rtl="0" algn="l">
+              <a:spcBef>
+                <a:spcPts val="0"/>
+              </a:spcBef>
+              <a:spcAft>
+                <a:spcPts val="0"/>
+              </a:spcAft>
+              <a:buNone/>
+            </a:pPr>
+            <a:r>
+              <a:t/>
+            </a:r>
+            <a:endParaRPr/>
+          </a:p>
+        </p:txBody>
+      </p:sp>
+      <p:sp>
+        <p:nvSpPr>
+          <p:cNvPr id="183" name="Google Shape;183;p24"/>
+          <p:cNvSpPr txBox="1"/>
+          <p:nvPr>
+            <p:ph idx="1" type="body"/>
+          </p:nvPr>
+        </p:nvSpPr>
+        <p:spPr>
+          <a:xfrm>
+            <a:off x="608725" y="1897063"/>
+            <a:ext cx="7955700" cy="4292700"/>
+          </a:xfrm>
+          <a:prstGeom prst="rect">
+            <a:avLst/>
+          </a:prstGeom>
+        </p:spPr>
+        <p:txBody>
+          <a:bodyPr anchorCtr="0" anchor="t" bIns="91425" lIns="91425" spcFirstLastPara="1" rIns="91425" wrap="square" tIns="91425">
+            <a:noAutofit/>
+          </a:bodyPr>
+          <a:lstStyle/>
+          <a:p>
+            <a:pPr indent="0" lvl="0" marL="0" rtl="0" algn="l">
+              <a:spcBef>
+                <a:spcPts val="440"/>
+              </a:spcBef>
+              <a:spcAft>
+                <a:spcPts val="0"/>
+              </a:spcAft>
+              <a:buNone/>
+            </a:pPr>
+            <a:r>
+              <a:t/>
+            </a:r>
+            <a:endParaRPr/>
+          </a:p>
+          <a:p>
+            <a:pPr indent="0" lvl="0" marL="0" rtl="0" algn="l">
+              <a:spcBef>
+                <a:spcPts val="440"/>
+              </a:spcBef>
+              <a:spcAft>
+                <a:spcPts val="0"/>
+              </a:spcAft>
+              <a:buNone/>
+            </a:pPr>
+            <a:r>
+              <a:t/>
+            </a:r>
+            <a:endParaRPr/>
+          </a:p>
+          <a:p>
+            <a:pPr indent="0" lvl="0" marL="0" rtl="0" algn="l">
+              <a:spcBef>
+                <a:spcPts val="440"/>
+              </a:spcBef>
+              <a:spcAft>
+                <a:spcPts val="0"/>
+              </a:spcAft>
+              <a:buNone/>
+            </a:pPr>
+            <a:r>
+              <a:t/>
+            </a:r>
+            <a:endParaRPr/>
+          </a:p>
+          <a:p>
+            <a:pPr indent="0" lvl="0" marL="0" rtl="0" algn="l">
+              <a:spcBef>
+                <a:spcPts val="440"/>
+              </a:spcBef>
+              <a:spcAft>
+                <a:spcPts val="0"/>
+              </a:spcAft>
+              <a:buNone/>
+            </a:pPr>
+            <a:r>
+              <a:t/>
+            </a:r>
+            <a:endParaRPr/>
+          </a:p>
+          <a:p>
+            <a:pPr indent="0" lvl="0" marL="0" rtl="0" algn="ctr">
+              <a:spcBef>
+                <a:spcPts val="440"/>
+              </a:spcBef>
+              <a:spcAft>
+                <a:spcPts val="0"/>
+              </a:spcAft>
+              <a:buNone/>
+            </a:pPr>
+            <a:r>
+              <a:rPr lang="sl-SI"/>
+              <a:t>	Thank you for your time.</a:t>
+            </a:r>
+            <a:endParaRPr/>
+          </a:p>
+        </p:txBody>
+      </p:sp>
+      <p:sp>
+        <p:nvSpPr>
+          <p:cNvPr id="184" name="Google Shape;184;p24"/>
+          <p:cNvSpPr txBox="1"/>
+          <p:nvPr>
+            <p:ph idx="12" type="sldNum"/>
+          </p:nvPr>
+        </p:nvSpPr>
+        <p:spPr>
+          <a:xfrm>
+            <a:off x="8564563" y="6308725"/>
+            <a:ext cx="504900" cy="401700"/>
+          </a:xfrm>
+          <a:prstGeom prst="rect">
+            <a:avLst/>
+          </a:prstGeom>
+        </p:spPr>
+        <p:txBody>
+          <a:bodyPr anchorCtr="0" anchor="ctr" bIns="45700" lIns="91425" spcFirstLastPara="1" rIns="91425" wrap="square" tIns="45700">
+            <a:noAutofit/>
+          </a:bodyPr>
+          <a:lstStyle/>
+          <a:p>
+            <a:pPr indent="0" lvl="0" marL="0" rtl="0" algn="ctr">
+              <a:spcBef>
+                <a:spcPts val="0"/>
+              </a:spcBef>
+              <a:spcAft>
+                <a:spcPts val="0"/>
+              </a:spcAft>
+              <a:buClr>
+                <a:srgbClr val="000000"/>
+              </a:buClr>
+              <a:buFont typeface="Arial"/>
+              <a:buNone/>
+            </a:pPr>
+            <a:fld id="{00000000-1234-1234-1234-123412341234}" type="slidenum">
+              <a:rPr lang="sl-SI"/>
+              <a:t>‹#›</a:t>
+            </a:fld>
+            <a:endParaRPr/>
+          </a:p>
+        </p:txBody>
+      </p:sp>
+    </p:spTree>
+  </p:cSld>
+  <p:clrMapOvr>
+    <a:masterClrMapping/>
+  </p:clrMapOvr>
+</p:sld>
+</file>
+
 <file path=ppt/slides/slide2.xml><?xml version="1.0" encoding="utf-8"?>
 <p:sld xmlns:a="http://schemas.openxmlformats.org/drawingml/2006/main" xmlns:r="http://schemas.openxmlformats.org/officeDocument/2006/relationships" xmlns:mc="http://schemas.openxmlformats.org/markup-compatibility/2006" xmlns:mv="urn:schemas-microsoft-com:mac:vml" xmlns:p="http://schemas.openxmlformats.org/presentationml/2006/main" xmlns:c="http://schemas.openxmlformats.org/drawingml/2006/chart" xmlns:dgm="http://schemas.openxmlformats.org/drawingml/2006/diagram" xmlns:o="urn:schemas-microsoft-com:office:office" xmlns:v="urn:schemas-microsoft-com:vml" xmlns:pvml="urn:schemas-microsoft-com:office:powerpoint" xmlns:com="http://schemas.openxmlformats.org/drawingml/2006/compatibility" xmlns:p14="http://schemas.microsoft.com/office/powerpoint/2010/main" xmlns:p15="http://schemas.microsoft.com/office/powerpoint/2012/main" xmlns:ahyp="http://schemas.microsoft.com/office/drawing/2018/hyperlinkcolor">
   <p:cSld>
@@ -18417,7 +19262,7 @@
             </a:pPr>
             <a:r>
               <a:rPr lang="sl-SI" sz="2300"/>
-              <a:t>BME680 is an environmental digital sensor,</a:t>
+              <a:t>BME680 is an environmental digital sensor.</a:t>
             </a:r>
             <a:endParaRPr sz="2300"/>
           </a:p>
@@ -18437,7 +19282,7 @@
             </a:pPr>
             <a:r>
               <a:rPr lang="sl-SI" sz="2300"/>
-              <a:t>Great for indoor air quality control,</a:t>
+              <a:t>Great for indoor air quality control.</a:t>
             </a:r>
             <a:endParaRPr sz="2300"/>
           </a:p>
@@ -18653,7 +19498,7 @@
             </a:pPr>
             <a:r>
               <a:rPr lang="sl-SI" sz="2300"/>
-              <a:t>Can detect VOCs in the air,</a:t>
+              <a:t>Can detect VOCs in the air.</a:t>
             </a:r>
             <a:endParaRPr sz="2300"/>
           </a:p>
@@ -18673,7 +19518,7 @@
             </a:pPr>
             <a:r>
               <a:rPr lang="sl-SI" sz="2300"/>
-              <a:t>VOC (Volatile organic compounds),</a:t>
+              <a:t>VOC (Volatile organic compounds).</a:t>
             </a:r>
             <a:endParaRPr sz="2300"/>
           </a:p>
@@ -18777,36 +19622,8 @@
         </p:blipFill>
         <p:spPr>
           <a:xfrm>
-            <a:off x="442650" y="3573503"/>
-            <a:ext cx="3917450" cy="2559350"/>
-          </a:xfrm>
-          <a:prstGeom prst="rect">
-            <a:avLst/>
-          </a:prstGeom>
-          <a:noFill/>
-          <a:ln>
-            <a:noFill/>
-          </a:ln>
-        </p:spPr>
-      </p:pic>
-      <p:pic>
-        <p:nvPicPr>
-          <p:cNvPr id="115" name="Google Shape;115;p16"/>
-          <p:cNvPicPr preferRelativeResize="0"/>
-          <p:nvPr/>
-        </p:nvPicPr>
-        <p:blipFill>
-          <a:blip r:embed="rId4">
-            <a:alphaModFix/>
-          </a:blip>
-          <a:stretch>
-            <a:fillRect/>
-          </a:stretch>
-        </p:blipFill>
-        <p:spPr>
-          <a:xfrm>
-            <a:off x="4464550" y="4252650"/>
-            <a:ext cx="4604926" cy="1880200"/>
+            <a:off x="2425250" y="3429475"/>
+            <a:ext cx="3933299" cy="2760301"/>
           </a:xfrm>
           <a:prstGeom prst="rect">
             <a:avLst/>
@@ -18830,7 +19647,7 @@
   <p:cSld>
     <p:spTree>
       <p:nvGrpSpPr>
-        <p:cNvPr id="120" name="Shape 120"/>
+        <p:cNvPr id="119" name="Shape 119"/>
         <p:cNvGrpSpPr/>
         <p:nvPr/>
       </p:nvGrpSpPr>
@@ -18844,7 +19661,7 @@
       </p:grpSpPr>
       <p:sp>
         <p:nvSpPr>
-          <p:cNvPr id="121" name="Google Shape;121;p17"/>
+          <p:cNvPr id="120" name="Google Shape;120;p17"/>
           <p:cNvSpPr txBox="1"/>
           <p:nvPr>
             <p:ph type="title"/>
@@ -18876,7 +19693,7 @@
             </a:pPr>
             <a:r>
               <a:rPr lang="sl-SI"/>
-              <a:t>Experiments</a:t>
+              <a:t>Air Quality Index</a:t>
             </a:r>
             <a:endParaRPr/>
           </a:p>
@@ -18884,7 +19701,7 @@
       </p:sp>
       <p:sp>
         <p:nvSpPr>
-          <p:cNvPr id="122" name="Google Shape;122;p17"/>
+          <p:cNvPr id="121" name="Google Shape;121;p17"/>
           <p:cNvSpPr txBox="1"/>
           <p:nvPr>
             <p:ph idx="1" type="body"/>
@@ -18905,86 +19722,17 @@
           </a:bodyPr>
           <a:lstStyle/>
           <a:p>
-            <a:pPr indent="-368300" lvl="0" marL="457200" rtl="0" algn="l">
+            <a:pPr indent="0" lvl="0" marL="0" rtl="0" algn="l">
               <a:spcBef>
                 <a:spcPts val="440"/>
               </a:spcBef>
               <a:spcAft>
                 <a:spcPts val="0"/>
               </a:spcAft>
-              <a:buSzPts val="2200"/>
-              <a:buChar char="•"/>
+              <a:buNone/>
             </a:pPr>
             <a:r>
-              <a:rPr lang="sl-SI"/>
-              <a:t>Testing the sensor for air quality,</a:t>
-            </a:r>
-            <a:br>
-              <a:rPr lang="sl-SI"/>
-            </a:br>
-            <a:endParaRPr/>
-          </a:p>
-          <a:p>
-            <a:pPr indent="-368300" lvl="0" marL="457200" rtl="0" algn="l">
-              <a:spcBef>
-                <a:spcPts val="0"/>
-              </a:spcBef>
-              <a:spcAft>
-                <a:spcPts val="0"/>
-              </a:spcAft>
-              <a:buSzPts val="2200"/>
-              <a:buChar char="•"/>
-            </a:pPr>
-            <a:r>
-              <a:rPr lang="sl-SI"/>
-              <a:t>Using the I2C protocol for communication,</a:t>
-            </a:r>
-            <a:br>
-              <a:rPr lang="sl-SI"/>
-            </a:br>
-            <a:endParaRPr/>
-          </a:p>
-          <a:p>
-            <a:pPr indent="-368300" lvl="0" marL="457200" rtl="0" algn="l">
-              <a:spcBef>
-                <a:spcPts val="0"/>
-              </a:spcBef>
-              <a:spcAft>
-                <a:spcPts val="0"/>
-              </a:spcAft>
-              <a:buSzPts val="2200"/>
-              <a:buChar char="•"/>
-            </a:pPr>
-            <a:r>
-              <a:rPr lang="sl-SI"/>
-              <a:t>Using nRF24L01 low power near distance </a:t>
-            </a:r>
-            <a:br>
-              <a:rPr lang="sl-SI"/>
-            </a:br>
-            <a:r>
-              <a:rPr lang="sl-SI"/>
-              <a:t>communication for data transfer to MQTT server,</a:t>
-            </a:r>
-            <a:br>
-              <a:rPr lang="sl-SI"/>
-            </a:br>
-            <a:endParaRPr/>
-          </a:p>
-          <a:p>
-            <a:pPr indent="-368300" lvl="0" marL="457200" rtl="0" algn="l">
-              <a:spcBef>
-                <a:spcPts val="0"/>
-              </a:spcBef>
-              <a:spcAft>
-                <a:spcPts val="0"/>
-              </a:spcAft>
-              <a:buSzPts val="2200"/>
-              <a:buChar char="•"/>
-            </a:pPr>
-            <a:r>
-              <a:rPr lang="sl-SI"/>
-              <a:t>Lighting the LED if air quality above/below threshold.</a:t>
+              <a:t/>
             </a:r>
             <a:endParaRPr/>
           </a:p>
@@ -18992,7 +19740,7 @@
       </p:sp>
       <p:sp>
         <p:nvSpPr>
-          <p:cNvPr id="123" name="Google Shape;123;p17"/>
+          <p:cNvPr id="122" name="Google Shape;122;p17"/>
           <p:cNvSpPr txBox="1"/>
           <p:nvPr>
             <p:ph idx="12" type="sldNum"/>
@@ -19034,6 +19782,34 @@
           </a:p>
         </p:txBody>
       </p:sp>
+      <p:pic>
+        <p:nvPicPr>
+          <p:cNvPr id="123" name="Google Shape;123;p17"/>
+          <p:cNvPicPr preferRelativeResize="0"/>
+          <p:nvPr/>
+        </p:nvPicPr>
+        <p:blipFill>
+          <a:blip r:embed="rId3">
+            <a:alphaModFix/>
+          </a:blip>
+          <a:stretch>
+            <a:fillRect/>
+          </a:stretch>
+        </p:blipFill>
+        <p:spPr>
+          <a:xfrm>
+            <a:off x="876300" y="1897063"/>
+            <a:ext cx="7391400" cy="4619625"/>
+          </a:xfrm>
+          <a:prstGeom prst="rect">
+            <a:avLst/>
+          </a:prstGeom>
+          <a:noFill/>
+          <a:ln>
+            <a:noFill/>
+          </a:ln>
+        </p:spPr>
+      </p:pic>
     </p:spTree>
   </p:cSld>
   <p:clrMapOvr>
@@ -19093,7 +19869,7 @@
             </a:pPr>
             <a:r>
               <a:rPr lang="sl-SI"/>
-              <a:t>Air Quality Index</a:t>
+              <a:t>Result interpretation</a:t>
             </a:r>
             <a:endParaRPr/>
           </a:p>
@@ -19122,10 +19898,7 @@
           </a:bodyPr>
           <a:lstStyle/>
           <a:p>
-            <a:pPr indent="0" lvl="0" marL="457200" rtl="0" algn="l">
-              <a:lnSpc>
-                <a:spcPct val="115000"/>
-              </a:lnSpc>
+            <a:pPr indent="0" lvl="0" marL="0" rtl="0" algn="l">
               <a:spcBef>
                 <a:spcPts val="440"/>
               </a:spcBef>
@@ -19137,7 +19910,7 @@
             <a:r>
               <a:t/>
             </a:r>
-            <a:endParaRPr sz="2300"/>
+            <a:endParaRPr/>
           </a:p>
         </p:txBody>
       </p:sp>
@@ -19201,8 +19974,8 @@
         </p:blipFill>
         <p:spPr>
           <a:xfrm>
-            <a:off x="784575" y="1739900"/>
-            <a:ext cx="7284825" cy="4982500"/>
+            <a:off x="608725" y="1881250"/>
+            <a:ext cx="7818124" cy="4586325"/>
           </a:xfrm>
           <a:prstGeom prst="rect">
             <a:avLst/>
@@ -19272,7 +20045,7 @@
             </a:pPr>
             <a:r>
               <a:rPr lang="sl-SI"/>
-              <a:t>Future work</a:t>
+              <a:t>Possible improvements</a:t>
             </a:r>
             <a:endParaRPr/>
           </a:p>
@@ -19301,39 +20074,215 @@
           </a:bodyPr>
           <a:lstStyle/>
           <a:p>
-            <a:pPr indent="-368300" lvl="0" marL="457200" rtl="0" algn="l">
-              <a:spcBef>
-                <a:spcPts val="440"/>
-              </a:spcBef>
-              <a:spcAft>
-                <a:spcPts val="0"/>
-              </a:spcAft>
-              <a:buSzPts val="2200"/>
-              <a:buChar char="•"/>
+            <a:pPr indent="0" lvl="0" marL="0" rtl="0" algn="l">
+              <a:lnSpc>
+                <a:spcPct val="115000"/>
+              </a:lnSpc>
+              <a:spcBef>
+                <a:spcPts val="0"/>
+              </a:spcBef>
+              <a:spcAft>
+                <a:spcPts val="0"/>
+              </a:spcAft>
+              <a:buClr>
+                <a:schemeClr val="dk1"/>
+              </a:buClr>
+              <a:buSzPts val="1100"/>
+              <a:buFont typeface="Arial"/>
+              <a:buNone/>
             </a:pPr>
             <a:r>
-              <a:rPr lang="sl-SI"/>
-              <a:t>Implementing BME680 sensor in real life scenario in a smart home,</a:t>
+              <a:rPr lang="sl-SI">
+                <a:latin typeface="Arial"/>
+                <a:ea typeface="Arial"/>
+                <a:cs typeface="Arial"/>
+                <a:sym typeface="Arial"/>
+              </a:rPr>
+              <a:t>•</a:t>
             </a:r>
-            <a:br>
-              <a:rPr lang="sl-SI"/>
-            </a:br>
-            <a:endParaRPr/>
+            <a:r>
+              <a:rPr lang="sl-SI" sz="2300"/>
+              <a:t>Assume relevant data to be 24h (sufficient 20 min.) after starting the measuring.</a:t>
+            </a:r>
+            <a:endParaRPr sz="2300"/>
           </a:p>
           <a:p>
-            <a:pPr indent="-368300" lvl="0" marL="457200" rtl="0" algn="l">
-              <a:spcBef>
-                <a:spcPts val="0"/>
-              </a:spcBef>
-              <a:spcAft>
-                <a:spcPts val="0"/>
-              </a:spcAft>
-              <a:buSzPts val="2200"/>
-              <a:buChar char="•"/>
+            <a:pPr indent="0" lvl="0" marL="0" rtl="0" algn="l">
+              <a:lnSpc>
+                <a:spcPct val="115000"/>
+              </a:lnSpc>
+              <a:spcBef>
+                <a:spcPts val="0"/>
+              </a:spcBef>
+              <a:spcAft>
+                <a:spcPts val="0"/>
+              </a:spcAft>
+              <a:buClr>
+                <a:schemeClr val="dk1"/>
+              </a:buClr>
+              <a:buSzPts val="1100"/>
+              <a:buFont typeface="Arial"/>
+              <a:buNone/>
             </a:pPr>
             <a:r>
-              <a:rPr lang="sl-SI"/>
-              <a:t>Using other technologies (Raspberry Pi, Docker, Grafana, Python,...).</a:t>
+              <a:rPr lang="sl-SI" sz="2300">
+                <a:latin typeface="Arial"/>
+                <a:ea typeface="Arial"/>
+                <a:cs typeface="Arial"/>
+                <a:sym typeface="Arial"/>
+              </a:rPr>
+              <a:t>•</a:t>
+            </a:r>
+            <a:r>
+              <a:rPr lang="sl-SI" sz="2300"/>
+              <a:t>Gas baseline:</a:t>
+            </a:r>
+            <a:endParaRPr sz="2300"/>
+          </a:p>
+          <a:p>
+            <a:pPr indent="457200" lvl="0" marL="0" rtl="0" algn="l">
+              <a:lnSpc>
+                <a:spcPct val="115000"/>
+              </a:lnSpc>
+              <a:spcBef>
+                <a:spcPts val="0"/>
+              </a:spcBef>
+              <a:spcAft>
+                <a:spcPts val="0"/>
+              </a:spcAft>
+              <a:buClr>
+                <a:schemeClr val="dk1"/>
+              </a:buClr>
+              <a:buSzPts val="1100"/>
+              <a:buFont typeface="Arial"/>
+              <a:buNone/>
+            </a:pPr>
+            <a:r>
+              <a:rPr lang="sl-SI" sz="2300">
+                <a:latin typeface="Arial"/>
+                <a:ea typeface="Arial"/>
+                <a:cs typeface="Arial"/>
+                <a:sym typeface="Arial"/>
+              </a:rPr>
+              <a:t>–</a:t>
+            </a:r>
+            <a:r>
+              <a:rPr lang="sl-SI" sz="2300"/>
+              <a:t>Longer time period</a:t>
+            </a:r>
+            <a:endParaRPr sz="2300"/>
+          </a:p>
+          <a:p>
+            <a:pPr indent="457200" lvl="0" marL="0" rtl="0" algn="l">
+              <a:lnSpc>
+                <a:spcPct val="115000"/>
+              </a:lnSpc>
+              <a:spcBef>
+                <a:spcPts val="0"/>
+              </a:spcBef>
+              <a:spcAft>
+                <a:spcPts val="0"/>
+              </a:spcAft>
+              <a:buClr>
+                <a:schemeClr val="dk1"/>
+              </a:buClr>
+              <a:buSzPts val="1100"/>
+              <a:buFont typeface="Arial"/>
+              <a:buNone/>
+            </a:pPr>
+            <a:r>
+              <a:rPr lang="sl-SI" sz="2300">
+                <a:latin typeface="Arial"/>
+                <a:ea typeface="Arial"/>
+                <a:cs typeface="Arial"/>
+                <a:sym typeface="Arial"/>
+              </a:rPr>
+              <a:t>–</a:t>
+            </a:r>
+            <a:r>
+              <a:rPr lang="sl-SI" sz="2300"/>
+              <a:t>Specific room conditions</a:t>
+            </a:r>
+            <a:endParaRPr sz="2300"/>
+          </a:p>
+          <a:p>
+            <a:pPr indent="457200" lvl="0" marL="0" rtl="0" algn="l">
+              <a:lnSpc>
+                <a:spcPct val="115000"/>
+              </a:lnSpc>
+              <a:spcBef>
+                <a:spcPts val="0"/>
+              </a:spcBef>
+              <a:spcAft>
+                <a:spcPts val="0"/>
+              </a:spcAft>
+              <a:buClr>
+                <a:schemeClr val="dk1"/>
+              </a:buClr>
+              <a:buSzPts val="1100"/>
+              <a:buFont typeface="Arial"/>
+              <a:buNone/>
+            </a:pPr>
+            <a:r>
+              <a:rPr lang="sl-SI" sz="2300">
+                <a:latin typeface="Arial"/>
+                <a:ea typeface="Arial"/>
+                <a:cs typeface="Arial"/>
+                <a:sym typeface="Arial"/>
+              </a:rPr>
+              <a:t>–</a:t>
+            </a:r>
+            <a:r>
+              <a:rPr lang="sl-SI" sz="2300"/>
+              <a:t>Shifting baseline to a new level</a:t>
+            </a:r>
+            <a:endParaRPr sz="2300"/>
+          </a:p>
+          <a:p>
+            <a:pPr indent="0" lvl="0" marL="0" rtl="0" algn="l">
+              <a:lnSpc>
+                <a:spcPct val="115000"/>
+              </a:lnSpc>
+              <a:spcBef>
+                <a:spcPts val="0"/>
+              </a:spcBef>
+              <a:spcAft>
+                <a:spcPts val="0"/>
+              </a:spcAft>
+              <a:buClr>
+                <a:schemeClr val="dk1"/>
+              </a:buClr>
+              <a:buSzPts val="1100"/>
+              <a:buFont typeface="Arial"/>
+              <a:buNone/>
+            </a:pPr>
+            <a:r>
+              <a:rPr lang="sl-SI" sz="2300">
+                <a:latin typeface="Arial"/>
+                <a:ea typeface="Arial"/>
+                <a:cs typeface="Arial"/>
+                <a:sym typeface="Arial"/>
+              </a:rPr>
+              <a:t>•</a:t>
+            </a:r>
+            <a:r>
+              <a:rPr lang="sl-SI" sz="2300"/>
+              <a:t>Smoothing short spikes in readings.</a:t>
+            </a:r>
+            <a:endParaRPr sz="2300"/>
+          </a:p>
+          <a:p>
+            <a:pPr indent="0" lvl="0" marL="0" rtl="0" algn="l">
+              <a:spcBef>
+                <a:spcPts val="440"/>
+              </a:spcBef>
+              <a:spcAft>
+                <a:spcPts val="0"/>
+              </a:spcAft>
+              <a:buNone/>
+            </a:pPr>
+            <a:r>
+              <a:t/>
             </a:r>
             <a:endParaRPr/>
           </a:p>
@@ -19442,7 +20391,7 @@
             </a:pPr>
             <a:r>
               <a:rPr lang="sl-SI"/>
-              <a:t>Conclusions</a:t>
+              <a:t>Experiments</a:t>
             </a:r>
             <a:endParaRPr/>
           </a:p>
@@ -19483,7 +20432,7 @@
             </a:pPr>
             <a:r>
               <a:rPr lang="sl-SI"/>
-              <a:t>Problems with Eclipse...,</a:t>
+              <a:t>Testing the sensor for air quality.</a:t>
             </a:r>
             <a:br>
               <a:rPr lang="sl-SI"/>
@@ -19503,7 +20452,7 @@
             </a:pPr>
             <a:r>
               <a:rPr lang="sl-SI"/>
-              <a:t>BME680 makes a good air quality indicator for home use,</a:t>
+              <a:t>Using the I2C protocol for communication.</a:t>
             </a:r>
             <a:br>
               <a:rPr lang="sl-SI"/>
@@ -19523,22 +20472,40 @@
             </a:pPr>
             <a:r>
               <a:rPr lang="sl-SI"/>
-              <a:t>Air quality is pretty good in our home environment.</a:t>
+              <a:t>Using Wi-Fi communication for data transfer to MQTT broker.</a:t>
             </a:r>
             <a:endParaRPr/>
           </a:p>
           <a:p>
-            <a:pPr indent="0" lvl="0" marL="0" rtl="0" algn="l">
-              <a:spcBef>
-                <a:spcPts val="440"/>
-              </a:spcBef>
-              <a:spcAft>
-                <a:spcPts val="0"/>
-              </a:spcAft>
-              <a:buNone/>
+            <a:pPr indent="-368300" lvl="0" marL="457200" rtl="0" algn="l">
+              <a:spcBef>
+                <a:spcPts val="0"/>
+              </a:spcBef>
+              <a:spcAft>
+                <a:spcPts val="0"/>
+              </a:spcAft>
+              <a:buSzPts val="2200"/>
+              <a:buChar char="•"/>
             </a:pPr>
             <a:r>
               <a:t/>
+            </a:r>
+            <a:endParaRPr/>
+          </a:p>
+          <a:p>
+            <a:pPr indent="-368300" lvl="0" marL="457200" rtl="0" algn="l">
+              <a:spcBef>
+                <a:spcPts val="0"/>
+              </a:spcBef>
+              <a:spcAft>
+                <a:spcPts val="0"/>
+              </a:spcAft>
+              <a:buSzPts val="2200"/>
+              <a:buChar char="•"/>
+            </a:pPr>
+            <a:r>
+              <a:rPr lang="sl-SI"/>
+              <a:t>Lighting the LED if air quality above/below threshold.</a:t>
             </a:r>
             <a:endParaRPr/>
           </a:p>
@@ -19646,7 +20613,8 @@
               <a:buNone/>
             </a:pPr>
             <a:r>
-              <a:t/>
+              <a:rPr lang="sl-SI"/>
+              <a:t>Experiments</a:t>
             </a:r>
             <a:endParaRPr/>
           </a:p>
@@ -19675,51 +20643,78 @@
           </a:bodyPr>
           <a:lstStyle/>
           <a:p>
-            <a:pPr indent="0" lvl="0" marL="0" rtl="0" algn="l">
+            <a:pPr indent="-368300" lvl="0" marL="457200" rtl="0" algn="l">
               <a:spcBef>
                 <a:spcPts val="440"/>
               </a:spcBef>
               <a:spcAft>
                 <a:spcPts val="0"/>
               </a:spcAft>
-              <a:buNone/>
+              <a:buSzPts val="2200"/>
+              <a:buChar char="•"/>
             </a:pPr>
             <a:r>
-              <a:t/>
+              <a:rPr lang="sl-SI"/>
+              <a:t>Tested the sensor in three different rooms.</a:t>
             </a:r>
             <a:endParaRPr/>
           </a:p>
           <a:p>
-            <a:pPr indent="0" lvl="0" marL="0" rtl="0" algn="l">
-              <a:spcBef>
-                <a:spcPts val="440"/>
-              </a:spcBef>
-              <a:spcAft>
-                <a:spcPts val="0"/>
-              </a:spcAft>
-              <a:buNone/>
+            <a:pPr indent="-368300" lvl="0" marL="457200" rtl="0" algn="l">
+              <a:spcBef>
+                <a:spcPts val="0"/>
+              </a:spcBef>
+              <a:spcAft>
+                <a:spcPts val="0"/>
+              </a:spcAft>
+              <a:buSzPts val="2200"/>
+              <a:buChar char="•"/>
             </a:pPr>
             <a:r>
-              <a:t/>
+              <a:rPr lang="sl-SI"/>
+              <a:t>Living room had the highest AQI.</a:t>
             </a:r>
             <a:endParaRPr/>
           </a:p>
           <a:p>
-            <a:pPr indent="0" lvl="0" marL="0" rtl="0" algn="l">
-              <a:spcBef>
-                <a:spcPts val="440"/>
-              </a:spcBef>
-              <a:spcAft>
-                <a:spcPts val="0"/>
-              </a:spcAft>
-              <a:buNone/>
+            <a:pPr indent="-368300" lvl="0" marL="457200" rtl="0" algn="l">
+              <a:spcBef>
+                <a:spcPts val="0"/>
+              </a:spcBef>
+              <a:spcAft>
+                <a:spcPts val="0"/>
+              </a:spcAft>
+              <a:buSzPts val="2200"/>
+              <a:buChar char="•"/>
             </a:pPr>
             <a:r>
-              <a:t/>
+              <a:rPr lang="sl-SI"/>
+              <a:t>Office had pretty good AQI, slightly better than living room and a bit worse than bedroom.</a:t>
             </a:r>
             <a:endParaRPr/>
           </a:p>
           <a:p>
+            <a:pPr indent="0" lvl="0" marL="457200" rtl="0" algn="l">
+              <a:spcBef>
+                <a:spcPts val="440"/>
+              </a:spcBef>
+              <a:spcAft>
+                <a:spcPts val="0"/>
+              </a:spcAft>
+              <a:buNone/>
+            </a:pPr>
+            <a:br>
+              <a:rPr lang="sl-SI"/>
+            </a:br>
+            <a:br>
+              <a:rPr lang="sl-SI"/>
+            </a:br>
+            <a:br>
+              <a:rPr lang="sl-SI"/>
+            </a:br>
+            <a:endParaRPr/>
+          </a:p>
+          <a:p>
             <a:pPr indent="0" lvl="0" marL="0" rtl="0" algn="l">
               <a:spcBef>
                 <a:spcPts val="440"/>
@@ -19731,22 +20726,6 @@
             </a:pPr>
             <a:r>
               <a:t/>
-            </a:r>
-            <a:endParaRPr/>
-          </a:p>
-          <a:p>
-            <a:pPr indent="0" lvl="0" marL="0" rtl="0" algn="ctr">
-              <a:spcBef>
-                <a:spcPts val="440"/>
-              </a:spcBef>
-              <a:spcAft>
-                <a:spcPts val="0"/>
-              </a:spcAft>
-              <a:buNone/>
-            </a:pPr>
-            <a:r>
-              <a:rPr lang="sl-SI"/>
-              <a:t>	Thank you for your time.</a:t>
             </a:r>
             <a:endParaRPr/>
           </a:p>
@@ -19796,6 +20775,306 @@
           </a:p>
         </p:txBody>
       </p:sp>
+      <p:pic>
+        <p:nvPicPr>
+          <p:cNvPr id="157" name="Google Shape;157;p21"/>
+          <p:cNvPicPr preferRelativeResize="0"/>
+          <p:nvPr/>
+        </p:nvPicPr>
+        <p:blipFill>
+          <a:blip r:embed="rId3">
+            <a:alphaModFix/>
+          </a:blip>
+          <a:stretch>
+            <a:fillRect/>
+          </a:stretch>
+        </p:blipFill>
+        <p:spPr>
+          <a:xfrm>
+            <a:off x="0" y="3593812"/>
+            <a:ext cx="4350689" cy="3264199"/>
+          </a:xfrm>
+          <a:prstGeom prst="rect">
+            <a:avLst/>
+          </a:prstGeom>
+          <a:noFill/>
+          <a:ln>
+            <a:noFill/>
+          </a:ln>
+        </p:spPr>
+      </p:pic>
+      <p:pic>
+        <p:nvPicPr>
+          <p:cNvPr id="158" name="Google Shape;158;p21"/>
+          <p:cNvPicPr preferRelativeResize="0"/>
+          <p:nvPr/>
+        </p:nvPicPr>
+        <p:blipFill>
+          <a:blip r:embed="rId4">
+            <a:alphaModFix/>
+          </a:blip>
+          <a:stretch>
+            <a:fillRect/>
+          </a:stretch>
+        </p:blipFill>
+        <p:spPr>
+          <a:xfrm>
+            <a:off x="4213750" y="3593800"/>
+            <a:ext cx="4350675" cy="3264199"/>
+          </a:xfrm>
+          <a:prstGeom prst="rect">
+            <a:avLst/>
+          </a:prstGeom>
+          <a:noFill/>
+          <a:ln>
+            <a:noFill/>
+          </a:ln>
+        </p:spPr>
+      </p:pic>
+    </p:spTree>
+  </p:cSld>
+  <p:clrMapOvr>
+    <a:masterClrMapping/>
+  </p:clrMapOvr>
+</p:sld>
+</file>
+
+<file path=ppt/slides/slide9.xml><?xml version="1.0" encoding="utf-8"?>
+<p:sld xmlns:a="http://schemas.openxmlformats.org/drawingml/2006/main" xmlns:r="http://schemas.openxmlformats.org/officeDocument/2006/relationships" xmlns:mc="http://schemas.openxmlformats.org/markup-compatibility/2006" xmlns:mv="urn:schemas-microsoft-com:mac:vml" xmlns:p="http://schemas.openxmlformats.org/presentationml/2006/main" xmlns:c="http://schemas.openxmlformats.org/drawingml/2006/chart" xmlns:dgm="http://schemas.openxmlformats.org/drawingml/2006/diagram" xmlns:o="urn:schemas-microsoft-com:office:office" xmlns:v="urn:schemas-microsoft-com:vml" xmlns:pvml="urn:schemas-microsoft-com:office:powerpoint" xmlns:com="http://schemas.openxmlformats.org/drawingml/2006/compatibility" xmlns:p14="http://schemas.microsoft.com/office/powerpoint/2010/main" xmlns:p15="http://schemas.microsoft.com/office/powerpoint/2012/main" xmlns:ahyp="http://schemas.microsoft.com/office/drawing/2018/hyperlinkcolor">
+  <p:cSld>
+    <p:spTree>
+      <p:nvGrpSpPr>
+        <p:cNvPr id="163" name="Shape 163"/>
+        <p:cNvGrpSpPr/>
+        <p:nvPr/>
+      </p:nvGrpSpPr>
+      <p:grpSpPr>
+        <a:xfrm>
+          <a:off x="0" y="0"/>
+          <a:ext cx="0" cy="0"/>
+          <a:chOff x="0" y="0"/>
+          <a:chExt cx="0" cy="0"/>
+        </a:xfrm>
+      </p:grpSpPr>
+      <p:sp>
+        <p:nvSpPr>
+          <p:cNvPr id="164" name="Google Shape;164;p22"/>
+          <p:cNvSpPr txBox="1"/>
+          <p:nvPr>
+            <p:ph type="title"/>
+          </p:nvPr>
+        </p:nvSpPr>
+        <p:spPr>
+          <a:xfrm>
+            <a:off x="608725" y="939800"/>
+            <a:ext cx="7955700" cy="800100"/>
+          </a:xfrm>
+          <a:prstGeom prst="rect">
+            <a:avLst/>
+          </a:prstGeom>
+        </p:spPr>
+        <p:txBody>
+          <a:bodyPr anchorCtr="0" anchor="ctr" bIns="91425" lIns="91425" spcFirstLastPara="1" rIns="91425" wrap="square" tIns="91425">
+            <a:noAutofit/>
+          </a:bodyPr>
+          <a:lstStyle/>
+          <a:p>
+            <a:pPr indent="0" lvl="0" marL="0" rtl="0" algn="l">
+              <a:spcBef>
+                <a:spcPts val="0"/>
+              </a:spcBef>
+              <a:spcAft>
+                <a:spcPts val="0"/>
+              </a:spcAft>
+              <a:buNone/>
+            </a:pPr>
+            <a:r>
+              <a:rPr lang="sl-SI"/>
+              <a:t>Experiments</a:t>
+            </a:r>
+            <a:endParaRPr/>
+          </a:p>
+        </p:txBody>
+      </p:sp>
+      <p:sp>
+        <p:nvSpPr>
+          <p:cNvPr id="165" name="Google Shape;165;p22"/>
+          <p:cNvSpPr txBox="1"/>
+          <p:nvPr>
+            <p:ph idx="1" type="body"/>
+          </p:nvPr>
+        </p:nvSpPr>
+        <p:spPr>
+          <a:xfrm>
+            <a:off x="608725" y="1897063"/>
+            <a:ext cx="7955700" cy="4292700"/>
+          </a:xfrm>
+          <a:prstGeom prst="rect">
+            <a:avLst/>
+          </a:prstGeom>
+        </p:spPr>
+        <p:txBody>
+          <a:bodyPr anchorCtr="0" anchor="t" bIns="91425" lIns="91425" spcFirstLastPara="1" rIns="91425" wrap="square" tIns="91425">
+            <a:noAutofit/>
+          </a:bodyPr>
+          <a:lstStyle/>
+          <a:p>
+            <a:pPr indent="-368300" lvl="0" marL="457200" rtl="0" algn="l">
+              <a:spcBef>
+                <a:spcPts val="440"/>
+              </a:spcBef>
+              <a:spcAft>
+                <a:spcPts val="0"/>
+              </a:spcAft>
+              <a:buSzPts val="2200"/>
+              <a:buChar char="•"/>
+            </a:pPr>
+            <a:r>
+              <a:rPr lang="sl-SI"/>
+              <a:t>Bedroom was the best because of ventilation.</a:t>
+            </a:r>
+            <a:endParaRPr/>
+          </a:p>
+          <a:p>
+            <a:pPr indent="-368300" lvl="0" marL="457200" rtl="0" algn="l">
+              <a:spcBef>
+                <a:spcPts val="0"/>
+              </a:spcBef>
+              <a:spcAft>
+                <a:spcPts val="0"/>
+              </a:spcAft>
+              <a:buSzPts val="2200"/>
+              <a:buChar char="•"/>
+            </a:pPr>
+            <a:r>
+              <a:rPr lang="sl-SI"/>
+              <a:t>In the last picture we gently blew on the sensor, so that is the spike.</a:t>
+            </a:r>
+            <a:br>
+              <a:rPr lang="sl-SI"/>
+            </a:br>
+            <a:br>
+              <a:rPr lang="sl-SI"/>
+            </a:br>
+            <a:endParaRPr/>
+          </a:p>
+          <a:p>
+            <a:pPr indent="0" lvl="0" marL="0" rtl="0" algn="l">
+              <a:spcBef>
+                <a:spcPts val="440"/>
+              </a:spcBef>
+              <a:spcAft>
+                <a:spcPts val="0"/>
+              </a:spcAft>
+              <a:buNone/>
+            </a:pPr>
+            <a:r>
+              <a:t/>
+            </a:r>
+            <a:endParaRPr/>
+          </a:p>
+        </p:txBody>
+      </p:sp>
+      <p:sp>
+        <p:nvSpPr>
+          <p:cNvPr id="166" name="Google Shape;166;p22"/>
+          <p:cNvSpPr txBox="1"/>
+          <p:nvPr>
+            <p:ph idx="12" type="sldNum"/>
+          </p:nvPr>
+        </p:nvSpPr>
+        <p:spPr>
+          <a:xfrm>
+            <a:off x="8564563" y="6308725"/>
+            <a:ext cx="504900" cy="401700"/>
+          </a:xfrm>
+          <a:prstGeom prst="rect">
+            <a:avLst/>
+          </a:prstGeom>
+        </p:spPr>
+        <p:txBody>
+          <a:bodyPr anchorCtr="0" anchor="ctr" bIns="45700" lIns="91425" spcFirstLastPara="1" rIns="91425" wrap="square" tIns="45700">
+            <a:noAutofit/>
+          </a:bodyPr>
+          <a:lstStyle/>
+          <a:p>
+            <a:pPr indent="0" lvl="0" marL="0" rtl="0" algn="ctr">
+              <a:spcBef>
+                <a:spcPts val="0"/>
+              </a:spcBef>
+              <a:spcAft>
+                <a:spcPts val="0"/>
+              </a:spcAft>
+              <a:buClr>
+                <a:srgbClr val="000000"/>
+              </a:buClr>
+              <a:buFont typeface="Arial"/>
+              <a:buNone/>
+            </a:pPr>
+            <a:fld id="{00000000-1234-1234-1234-123412341234}" type="slidenum">
+              <a:rPr lang="sl-SI"/>
+              <a:t>‹#›</a:t>
+            </a:fld>
+            <a:endParaRPr/>
+          </a:p>
+        </p:txBody>
+      </p:sp>
+      <p:pic>
+        <p:nvPicPr>
+          <p:cNvPr id="167" name="Google Shape;167;p22"/>
+          <p:cNvPicPr preferRelativeResize="0"/>
+          <p:nvPr/>
+        </p:nvPicPr>
+        <p:blipFill>
+          <a:blip r:embed="rId3">
+            <a:alphaModFix/>
+          </a:blip>
+          <a:stretch>
+            <a:fillRect/>
+          </a:stretch>
+        </p:blipFill>
+        <p:spPr>
+          <a:xfrm>
+            <a:off x="4213875" y="3593783"/>
+            <a:ext cx="4350700" cy="3264229"/>
+          </a:xfrm>
+          <a:prstGeom prst="rect">
+            <a:avLst/>
+          </a:prstGeom>
+          <a:noFill/>
+          <a:ln>
+            <a:noFill/>
+          </a:ln>
+        </p:spPr>
+      </p:pic>
+      <p:pic>
+        <p:nvPicPr>
+          <p:cNvPr id="168" name="Google Shape;168;p22"/>
+          <p:cNvPicPr preferRelativeResize="0"/>
+          <p:nvPr/>
+        </p:nvPicPr>
+        <p:blipFill>
+          <a:blip r:embed="rId4">
+            <a:alphaModFix/>
+          </a:blip>
+          <a:stretch>
+            <a:fillRect/>
+          </a:stretch>
+        </p:blipFill>
+        <p:spPr>
+          <a:xfrm>
+            <a:off x="9" y="3593812"/>
+            <a:ext cx="4350641" cy="3264199"/>
+          </a:xfrm>
+          <a:prstGeom prst="rect">
+            <a:avLst/>
+          </a:prstGeom>
+          <a:noFill/>
+          <a:ln>
+            <a:noFill/>
+          </a:ln>
+        </p:spPr>
+      </p:pic>
     </p:spTree>
   </p:cSld>
   <p:clrMapOvr>
